--- a/emotional erwachsen/Appreciation (APR)/ger/apprentice/ger_APR_01_Nicht_den_EE_A.pptx
+++ b/emotional erwachsen/Appreciation (APR)/ger/apprentice/ger_APR_01_Nicht_den_EE_A.pptx
@@ -2394,6 +2394,217 @@
               <a:rPr lang="de-DE" sz="1200" dirty="0"/>
               <a:t>In dem Du beginnst, andere wertzuschätzen, fängst Du an, ein Fundament der Wertschätzung für Dich selbst zu einzuziehen und Dich mit allen Deinen Facetten anzunehmen.</a:t>
             </a:r>
+          </a:p>
+        </p:txBody>
+      </p:sp>
+      <p:sp>
+        <p:nvSpPr>
+          <p:cNvPr id="6" name="Untertitel 6"/>
+          <p:cNvSpPr txBox="1">
+            <a:spLocks/>
+          </p:cNvSpPr>
+          <p:nvPr/>
+        </p:nvSpPr>
+        <p:spPr>
+          <a:xfrm>
+            <a:off x="1192733" y="1088690"/>
+            <a:ext cx="5293995" cy="467477"/>
+          </a:xfrm>
+          <a:prstGeom prst="rect">
+            <a:avLst/>
+          </a:prstGeom>
+        </p:spPr>
+        <p:txBody>
+          <a:bodyPr/>
+          <a:lstStyle>
+            <a:lvl1pPr marL="263525" indent="-263525" algn="l" defTabSz="403388" rtl="0" eaLnBrk="1" latinLnBrk="0" hangingPunct="1">
+              <a:lnSpc>
+                <a:spcPct val="150000"/>
+              </a:lnSpc>
+              <a:spcBef>
+                <a:spcPts val="0"/>
+              </a:spcBef>
+              <a:buClr>
+                <a:srgbClr val="229237"/>
+              </a:buClr>
+              <a:buSzPct val="250000"/>
+              <a:buFontTx/>
+              <a:buBlip>
+                <a:blip r:embed="rId2"/>
+              </a:buBlip>
+              <a:defRPr sz="1000" kern="1200">
+                <a:solidFill>
+                  <a:srgbClr val="5D5E5F"/>
+                </a:solidFill>
+                <a:latin typeface="Avenir Light"/>
+                <a:ea typeface="+mn-ea"/>
+                <a:cs typeface="Avenir Light"/>
+              </a:defRPr>
+            </a:lvl1pPr>
+            <a:lvl2pPr marL="630238" indent="-227013" algn="l" defTabSz="403388" rtl="0" eaLnBrk="1" latinLnBrk="0" hangingPunct="1">
+              <a:lnSpc>
+                <a:spcPct val="150000"/>
+              </a:lnSpc>
+              <a:spcBef>
+                <a:spcPts val="0"/>
+              </a:spcBef>
+              <a:buClr>
+                <a:srgbClr val="229237"/>
+              </a:buClr>
+              <a:buSzPct val="250000"/>
+              <a:buFontTx/>
+              <a:buBlip>
+                <a:blip r:embed="rId2"/>
+              </a:buBlip>
+              <a:defRPr sz="1000" kern="1200">
+                <a:solidFill>
+                  <a:srgbClr val="5D5E5F"/>
+                </a:solidFill>
+                <a:latin typeface="Avenir Light"/>
+                <a:ea typeface="+mn-ea"/>
+                <a:cs typeface="Avenir Light"/>
+              </a:defRPr>
+            </a:lvl2pPr>
+            <a:lvl3pPr marL="1008469" indent="-201694" algn="l" defTabSz="403388" rtl="0" eaLnBrk="1" latinLnBrk="0" hangingPunct="1">
+              <a:lnSpc>
+                <a:spcPct val="150000"/>
+              </a:lnSpc>
+              <a:spcBef>
+                <a:spcPts val="0"/>
+              </a:spcBef>
+              <a:buClr>
+                <a:srgbClr val="229237"/>
+              </a:buClr>
+              <a:buSzPct val="250000"/>
+              <a:buFontTx/>
+              <a:buBlip>
+                <a:blip r:embed="rId2"/>
+              </a:buBlip>
+              <a:defRPr sz="1000" kern="1200">
+                <a:solidFill>
+                  <a:srgbClr val="5D5E5F"/>
+                </a:solidFill>
+                <a:latin typeface="Avenir Light"/>
+                <a:ea typeface="+mn-ea"/>
+                <a:cs typeface="Avenir Light"/>
+              </a:defRPr>
+            </a:lvl3pPr>
+            <a:lvl4pPr marL="1411856" indent="-201694" algn="l" defTabSz="403388" rtl="0" eaLnBrk="1" latinLnBrk="0" hangingPunct="1">
+              <a:lnSpc>
+                <a:spcPct val="150000"/>
+              </a:lnSpc>
+              <a:spcBef>
+                <a:spcPts val="0"/>
+              </a:spcBef>
+              <a:buClr>
+                <a:srgbClr val="229237"/>
+              </a:buClr>
+              <a:buSzPct val="250000"/>
+              <a:buFontTx/>
+              <a:buBlip>
+                <a:blip r:embed="rId2"/>
+              </a:buBlip>
+              <a:defRPr sz="1000" kern="1200">
+                <a:solidFill>
+                  <a:srgbClr val="5D5E5F"/>
+                </a:solidFill>
+                <a:latin typeface="Avenir Light"/>
+                <a:ea typeface="+mn-ea"/>
+                <a:cs typeface="Avenir Light"/>
+              </a:defRPr>
+            </a:lvl4pPr>
+            <a:lvl5pPr marL="1815244" indent="-201694" algn="l" defTabSz="403388" rtl="0" eaLnBrk="1" latinLnBrk="0" hangingPunct="1">
+              <a:spcBef>
+                <a:spcPct val="20000"/>
+              </a:spcBef>
+              <a:buClr>
+                <a:srgbClr val="229237"/>
+              </a:buClr>
+              <a:buSzPct val="170000"/>
+              <a:buFontTx/>
+              <a:buBlip>
+                <a:blip r:embed="rId3"/>
+              </a:buBlip>
+              <a:defRPr sz="1000" kern="1200">
+                <a:solidFill>
+                  <a:srgbClr val="5D5E5F"/>
+                </a:solidFill>
+                <a:latin typeface="Avenir Light"/>
+                <a:ea typeface="+mn-ea"/>
+                <a:cs typeface="Avenir Light"/>
+              </a:defRPr>
+            </a:lvl5pPr>
+            <a:lvl6pPr marL="2218632" indent="-201694" algn="l" defTabSz="403388" rtl="0" eaLnBrk="1" latinLnBrk="0" hangingPunct="1">
+              <a:spcBef>
+                <a:spcPct val="20000"/>
+              </a:spcBef>
+              <a:buFont typeface="Arial"/>
+              <a:buChar char="•"/>
+              <a:defRPr sz="1800" kern="1200">
+                <a:solidFill>
+                  <a:schemeClr val="tx1"/>
+                </a:solidFill>
+                <a:latin typeface="+mn-lt"/>
+                <a:ea typeface="+mn-ea"/>
+                <a:cs typeface="+mn-cs"/>
+              </a:defRPr>
+            </a:lvl6pPr>
+            <a:lvl7pPr marL="2622019" indent="-201694" algn="l" defTabSz="403388" rtl="0" eaLnBrk="1" latinLnBrk="0" hangingPunct="1">
+              <a:spcBef>
+                <a:spcPct val="20000"/>
+              </a:spcBef>
+              <a:buFont typeface="Arial"/>
+              <a:buChar char="•"/>
+              <a:defRPr sz="1800" kern="1200">
+                <a:solidFill>
+                  <a:schemeClr val="tx1"/>
+                </a:solidFill>
+                <a:latin typeface="+mn-lt"/>
+                <a:ea typeface="+mn-ea"/>
+                <a:cs typeface="+mn-cs"/>
+              </a:defRPr>
+            </a:lvl7pPr>
+            <a:lvl8pPr marL="3025407" indent="-201694" algn="l" defTabSz="403388" rtl="0" eaLnBrk="1" latinLnBrk="0" hangingPunct="1">
+              <a:spcBef>
+                <a:spcPct val="20000"/>
+              </a:spcBef>
+              <a:buFont typeface="Arial"/>
+              <a:buChar char="•"/>
+              <a:defRPr sz="1800" kern="1200">
+                <a:solidFill>
+                  <a:schemeClr val="tx1"/>
+                </a:solidFill>
+                <a:latin typeface="+mn-lt"/>
+                <a:ea typeface="+mn-ea"/>
+                <a:cs typeface="+mn-cs"/>
+              </a:defRPr>
+            </a:lvl8pPr>
+            <a:lvl9pPr marL="3428794" indent="-201694" algn="l" defTabSz="403388" rtl="0" eaLnBrk="1" latinLnBrk="0" hangingPunct="1">
+              <a:spcBef>
+                <a:spcPct val="20000"/>
+              </a:spcBef>
+              <a:buFont typeface="Arial"/>
+              <a:buChar char="•"/>
+              <a:defRPr sz="1800" kern="1200">
+                <a:solidFill>
+                  <a:schemeClr val="tx1"/>
+                </a:solidFill>
+                <a:latin typeface="+mn-lt"/>
+                <a:ea typeface="+mn-ea"/>
+                <a:cs typeface="+mn-cs"/>
+              </a:defRPr>
+            </a:lvl9pPr>
+          </a:lstStyle>
+          <a:p>
+            <a:pPr marL="0" indent="0">
+              <a:buFontTx/>
+              <a:buNone/>
+            </a:pPr>
+            <a:r>
+              <a:rPr lang="de-DE" cap="all" smtClean="0"/>
+              <a:t>Silke Kainzbauer</a:t>
+            </a:r>
+            <a:endParaRPr lang="de-DE" cap="all" dirty="0"/>
           </a:p>
         </p:txBody>
       </p:sp>
